--- a/docs/test6.pptx
+++ b/docs/test6.pptx
@@ -3346,7 +3346,7 @@
           <p:nvPr/>
         </p:nvGraphicFramePr>
         <p:xfrm>
-          <a:off x="1828800" y="4572000"/>
+          <a:off x="1828800" y="914400"/>
           <a:ext cx="3657600" cy="1389888"/>
         </p:xfrm>
         <a:graphic>
